--- a/American_Community_Surveys/5-minute preview.pptx
+++ b/American_Community_Surveys/5-minute preview.pptx
@@ -3344,12 +3344,14 @@
         </p:nvSpPr>
         <p:spPr/>
         <p:txBody>
-          <a:bodyPr/>
+          <a:bodyPr>
+            <a:normAutofit fontScale="90000"/>
+          </a:bodyPr>
           <a:lstStyle/>
           <a:p>
             <a:r>
               <a:rPr lang="en-US" dirty="0"/>
-              <a:t>Insert title here</a:t>
+              <a:t>The Circuit Less Travelled: A Path of Gentrification Through Colorado Neighborhoods</a:t>
             </a:r>
           </a:p>
         </p:txBody>
@@ -3573,7 +3575,7 @@
           <a:p>
             <a:r>
               <a:rPr lang="en-US" dirty="0"/>
-              <a:t>Step 3: Create the algorithm which performs the circuit walk</a:t>
+              <a:t>Step 3: Program the algorithm which performs the circuit walk</a:t>
             </a:r>
           </a:p>
           <a:p>
@@ -3831,7 +3833,13 @@
           <a:p>
             <a:r>
               <a:rPr lang="en-US" dirty="0"/>
-              <a:t>Using k-means clustering</a:t>
+              <a:t>Using Hierarchical clustering</a:t>
+            </a:r>
+          </a:p>
+          <a:p>
+            <a:r>
+              <a:rPr lang="en-US" dirty="0"/>
+              <a:t>Using K-means clustering</a:t>
             </a:r>
           </a:p>
           <a:p>
